--- a/presentation.pptx
+++ b/presentation.pptx
@@ -5,7 +5,7 @@
     <p:sldMasterId id="2147483648" r:id="rId1"/>
   </p:sldMasterIdLst>
   <p:notesMasterIdLst>
-    <p:notesMasterId r:id="rId11"/>
+    <p:notesMasterId r:id="rId12"/>
   </p:notesMasterIdLst>
   <p:sldIdLst>
     <p:sldId id="256" r:id="rId2"/>
@@ -15,8 +15,9 @@
     <p:sldId id="259" r:id="rId6"/>
     <p:sldId id="260" r:id="rId7"/>
     <p:sldId id="261" r:id="rId8"/>
-    <p:sldId id="263" r:id="rId9"/>
-    <p:sldId id="265" r:id="rId10"/>
+    <p:sldId id="267" r:id="rId9"/>
+    <p:sldId id="263" r:id="rId10"/>
+    <p:sldId id="265" r:id="rId11"/>
   </p:sldIdLst>
   <p:sldSz cx="12192000" cy="6858000"/>
   <p:notesSz cx="6858000" cy="9144000"/>
@@ -2690,6 +2691,157 @@
   <p:cSld>
     <p:spTree>
       <p:nvGrpSpPr>
+        <p:cNvPr id="1" name="Shape 114"/>
+        <p:cNvGrpSpPr/>
+        <p:nvPr/>
+      </p:nvGrpSpPr>
+      <p:grpSpPr>
+        <a:xfrm>
+          <a:off x="0" y="0"/>
+          <a:ext cx="0" cy="0"/>
+          <a:chOff x="0" y="0"/>
+          <a:chExt cx="0" cy="0"/>
+        </a:xfrm>
+      </p:grpSpPr>
+      <p:sp>
+        <p:nvSpPr>
+          <p:cNvPr id="115" name="Google Shape;115;g7baf4df47d_0_33:notes"/>
+          <p:cNvSpPr>
+            <a:spLocks noGrp="1" noRot="1" noChangeAspect="1"/>
+          </p:cNvSpPr>
+          <p:nvPr>
+            <p:ph type="sldImg" idx="2"/>
+          </p:nvPr>
+        </p:nvSpPr>
+        <p:spPr>
+          <a:xfrm>
+            <a:off x="685800" y="1143000"/>
+            <a:ext cx="5486400" cy="3086100"/>
+          </a:xfrm>
+          <a:custGeom>
+            <a:avLst/>
+            <a:gdLst/>
+            <a:ahLst/>
+            <a:cxnLst/>
+            <a:rect l="l" t="t" r="r" b="b"/>
+            <a:pathLst>
+              <a:path w="120000" h="120000" extrusionOk="0">
+                <a:moveTo>
+                  <a:pt x="0" y="0"/>
+                </a:moveTo>
+                <a:lnTo>
+                  <a:pt x="120000" y="0"/>
+                </a:lnTo>
+                <a:lnTo>
+                  <a:pt x="120000" y="120000"/>
+                </a:lnTo>
+                <a:lnTo>
+                  <a:pt x="0" y="120000"/>
+                </a:lnTo>
+                <a:close/>
+              </a:path>
+            </a:pathLst>
+          </a:custGeom>
+        </p:spPr>
+      </p:sp>
+      <p:sp>
+        <p:nvSpPr>
+          <p:cNvPr id="116" name="Google Shape;116;g7baf4df47d_0_33:notes"/>
+          <p:cNvSpPr txBox="1">
+            <a:spLocks noGrp="1"/>
+          </p:cNvSpPr>
+          <p:nvPr>
+            <p:ph type="body" idx="1"/>
+          </p:nvPr>
+        </p:nvSpPr>
+        <p:spPr>
+          <a:xfrm>
+            <a:off x="685800" y="4400550"/>
+            <a:ext cx="5486400" cy="3600600"/>
+          </a:xfrm>
+          <a:prstGeom prst="rect">
+            <a:avLst/>
+          </a:prstGeom>
+        </p:spPr>
+        <p:txBody>
+          <a:bodyPr spcFirstLastPara="1" wrap="square" lIns="91425" tIns="45700" rIns="91425" bIns="45700" anchor="t" anchorCtr="0">
+            <a:noAutofit/>
+          </a:bodyPr>
+          <a:lstStyle/>
+          <a:p>
+            <a:pPr marL="0" lvl="0" indent="0" algn="l" rtl="0">
+              <a:spcBef>
+                <a:spcPts val="0"/>
+              </a:spcBef>
+              <a:spcAft>
+                <a:spcPts val="0"/>
+              </a:spcAft>
+              <a:buNone/>
+            </a:pPr>
+            <a:endParaRPr/>
+          </a:p>
+        </p:txBody>
+      </p:sp>
+      <p:sp>
+        <p:nvSpPr>
+          <p:cNvPr id="117" name="Google Shape;117;g7baf4df47d_0_33:notes"/>
+          <p:cNvSpPr txBox="1">
+            <a:spLocks noGrp="1"/>
+          </p:cNvSpPr>
+          <p:nvPr>
+            <p:ph type="sldNum" idx="12"/>
+          </p:nvPr>
+        </p:nvSpPr>
+        <p:spPr>
+          <a:xfrm>
+            <a:off x="3884613" y="8685213"/>
+            <a:ext cx="2971800" cy="458700"/>
+          </a:xfrm>
+          <a:prstGeom prst="rect">
+            <a:avLst/>
+          </a:prstGeom>
+        </p:spPr>
+        <p:txBody>
+          <a:bodyPr spcFirstLastPara="1" wrap="square" lIns="91425" tIns="45700" rIns="91425" bIns="45700" anchor="b" anchorCtr="0">
+            <a:noAutofit/>
+          </a:bodyPr>
+          <a:lstStyle/>
+          <a:p>
+            <a:pPr marL="0" lvl="0" indent="0" algn="r" rtl="0">
+              <a:spcBef>
+                <a:spcPts val="0"/>
+              </a:spcBef>
+              <a:spcAft>
+                <a:spcPts val="0"/>
+              </a:spcAft>
+              <a:buNone/>
+            </a:pPr>
+            <a:fld id="{00000000-1234-1234-1234-123412341234}" type="slidenum">
+              <a:rPr lang="en-US"/>
+              <a:t>8</a:t>
+            </a:fld>
+            <a:endParaRPr/>
+          </a:p>
+        </p:txBody>
+      </p:sp>
+    </p:spTree>
+    <p:extLst>
+      <p:ext uri="{BB962C8B-B14F-4D97-AF65-F5344CB8AC3E}">
+        <p14:creationId xmlns:p14="http://schemas.microsoft.com/office/powerpoint/2010/main" val="2444890822"/>
+      </p:ext>
+    </p:extLst>
+  </p:cSld>
+  <p:clrMapOvr>
+    <a:masterClrMapping/>
+  </p:clrMapOvr>
+</p:notes>
+</file>
+
+<file path=ppt/notesSlides/notesSlide8.xml><?xml version="1.0" encoding="utf-8"?>
+<p:notes xmlns:a="http://schemas.openxmlformats.org/drawingml/2006/main" xmlns:r="http://schemas.openxmlformats.org/officeDocument/2006/relationships" xmlns:p="http://schemas.openxmlformats.org/presentationml/2006/main" showMasterSp="0" showMasterPhAnim="0">
+  <p:cSld>
+    <p:spTree>
+      <p:nvGrpSpPr>
         <p:cNvPr id="1" name="Shape 131"/>
         <p:cNvGrpSpPr/>
         <p:nvPr/>
@@ -2822,7 +2974,7 @@
             </a:pPr>
             <a:fld id="{00000000-1234-1234-1234-123412341234}" type="slidenum">
               <a:rPr lang="en-US"/>
-              <a:t>8</a:t>
+              <a:t>9</a:t>
             </a:fld>
             <a:endParaRPr/>
           </a:p>
@@ -2836,7 +2988,7 @@
 </p:notes>
 </file>
 
-<file path=ppt/notesSlides/notesSlide8.xml><?xml version="1.0" encoding="utf-8"?>
+<file path=ppt/notesSlides/notesSlide9.xml><?xml version="1.0" encoding="utf-8"?>
 <p:notes xmlns:a="http://schemas.openxmlformats.org/drawingml/2006/main" xmlns:r="http://schemas.openxmlformats.org/officeDocument/2006/relationships" xmlns:p="http://schemas.openxmlformats.org/presentationml/2006/main" showMasterSp="0" showMasterPhAnim="0">
   <p:cSld>
     <p:spTree>
@@ -15818,6 +15970,139 @@
 </p:sld>
 </file>
 
+<file path=ppt/slides/slide10.xml><?xml version="1.0" encoding="utf-8"?>
+<p:sld xmlns:a="http://schemas.openxmlformats.org/drawingml/2006/main" xmlns:r="http://schemas.openxmlformats.org/officeDocument/2006/relationships" xmlns:p="http://schemas.openxmlformats.org/presentationml/2006/main">
+  <p:cSld>
+    <p:spTree>
+      <p:nvGrpSpPr>
+        <p:cNvPr id="1" name="Shape 82"/>
+        <p:cNvGrpSpPr/>
+        <p:nvPr/>
+      </p:nvGrpSpPr>
+      <p:grpSpPr>
+        <a:xfrm>
+          <a:off x="0" y="0"/>
+          <a:ext cx="0" cy="0"/>
+          <a:chOff x="0" y="0"/>
+          <a:chExt cx="0" cy="0"/>
+        </a:xfrm>
+      </p:grpSpPr>
+      <p:sp>
+        <p:nvSpPr>
+          <p:cNvPr id="83" name="Google Shape;83;p1"/>
+          <p:cNvSpPr txBox="1">
+            <a:spLocks noGrp="1"/>
+          </p:cNvSpPr>
+          <p:nvPr>
+            <p:ph type="ctrTitle"/>
+          </p:nvPr>
+        </p:nvSpPr>
+        <p:spPr>
+          <a:xfrm>
+            <a:off x="1664677" y="0"/>
+            <a:ext cx="9144000" cy="2387600"/>
+          </a:xfrm>
+          <a:prstGeom prst="rect">
+            <a:avLst/>
+          </a:prstGeom>
+          <a:noFill/>
+          <a:ln>
+            <a:noFill/>
+          </a:ln>
+        </p:spPr>
+        <p:txBody>
+          <a:bodyPr spcFirstLastPara="1" wrap="square" lIns="91425" tIns="45700" rIns="91425" bIns="45700" anchor="b" anchorCtr="0">
+            <a:noAutofit/>
+          </a:bodyPr>
+          <a:lstStyle/>
+          <a:p>
+            <a:pPr lvl="0"/>
+            <a:r>
+              <a:rPr lang="en-US" dirty="0"/>
+              <a:t>Thank you!</a:t>
+            </a:r>
+            <a:endParaRPr dirty="0">
+              <a:solidFill>
+                <a:schemeClr val="lt1"/>
+              </a:solidFill>
+            </a:endParaRPr>
+          </a:p>
+        </p:txBody>
+      </p:sp>
+      <p:sp>
+        <p:nvSpPr>
+          <p:cNvPr id="84" name="Google Shape;84;p1"/>
+          <p:cNvSpPr txBox="1">
+            <a:spLocks noGrp="1"/>
+          </p:cNvSpPr>
+          <p:nvPr>
+            <p:ph type="subTitle" idx="1"/>
+          </p:nvPr>
+        </p:nvSpPr>
+        <p:spPr>
+          <a:xfrm>
+            <a:off x="646922" y="2601119"/>
+            <a:ext cx="9144000" cy="1655762"/>
+          </a:xfrm>
+          <a:prstGeom prst="rect">
+            <a:avLst/>
+          </a:prstGeom>
+          <a:noFill/>
+          <a:ln>
+            <a:noFill/>
+          </a:ln>
+        </p:spPr>
+        <p:txBody>
+          <a:bodyPr spcFirstLastPara="1" wrap="square" lIns="91425" tIns="45700" rIns="91425" bIns="45700" anchor="t" anchorCtr="0">
+            <a:noAutofit/>
+          </a:bodyPr>
+          <a:lstStyle/>
+          <a:p>
+            <a:pPr marL="0" lvl="0" indent="0" algn="l" rtl="0">
+              <a:lnSpc>
+                <a:spcPct val="90000"/>
+              </a:lnSpc>
+              <a:spcBef>
+                <a:spcPts val="0"/>
+              </a:spcBef>
+              <a:spcAft>
+                <a:spcPts val="0"/>
+              </a:spcAft>
+              <a:buClr>
+                <a:schemeClr val="lt1"/>
+              </a:buClr>
+              <a:buSzPts val="2400"/>
+              <a:buNone/>
+            </a:pPr>
+            <a:r>
+              <a:rPr lang="en-US" sz="4000" dirty="0">
+                <a:solidFill>
+                  <a:schemeClr val="lt1"/>
+                </a:solidFill>
+              </a:rPr>
+              <a:t>Any questions?</a:t>
+            </a:r>
+            <a:endParaRPr sz="4000" dirty="0">
+              <a:solidFill>
+                <a:schemeClr val="lt1"/>
+              </a:solidFill>
+            </a:endParaRPr>
+          </a:p>
+        </p:txBody>
+      </p:sp>
+    </p:spTree>
+    <p:extLst>
+      <p:ext uri="{BB962C8B-B14F-4D97-AF65-F5344CB8AC3E}">
+        <p14:creationId xmlns:p14="http://schemas.microsoft.com/office/powerpoint/2010/main" val="904725618"/>
+      </p:ext>
+    </p:extLst>
+  </p:cSld>
+  <p:clrMapOvr>
+    <a:masterClrMapping/>
+  </p:clrMapOvr>
+</p:sld>
+</file>
+
 <file path=ppt/slides/slide2.xml><?xml version="1.0" encoding="utf-8"?>
 <p:sld xmlns:a="http://schemas.openxmlformats.org/drawingml/2006/main" xmlns:r="http://schemas.openxmlformats.org/officeDocument/2006/relationships" xmlns:p="http://schemas.openxmlformats.org/presentationml/2006/main">
   <p:cSld>
@@ -16262,8 +16547,8 @@
         </p:nvSpPr>
         <p:spPr>
           <a:xfrm>
-            <a:off x="838200" y="1354137"/>
-            <a:ext cx="10515600" cy="4351200"/>
+            <a:off x="1" y="1101014"/>
+            <a:ext cx="12192000" cy="4641647"/>
           </a:xfrm>
           <a:prstGeom prst="rect">
             <a:avLst/>
@@ -16294,15 +16579,19 @@
               <a:buChar char="-"/>
             </a:pPr>
             <a:r>
-              <a:rPr lang="vi-VN" dirty="0"/>
+              <a:rPr lang="vi-VN" sz="3200" b="1" dirty="0"/>
               <a:t>T</a:t>
             </a:r>
             <a:r>
-              <a:rPr lang="en-US" dirty="0"/>
+              <a:rPr lang="en-US" sz="3200" b="1" u="sng" dirty="0"/>
               <a:t>ask</a:t>
             </a:r>
             <a:r>
-              <a:rPr lang="vi-VN" dirty="0"/>
+              <a:rPr lang="en-US" sz="3200" dirty="0"/>
+              <a:t>: From game state, choose action that leads to optimal rewards</a:t>
+            </a:r>
+            <a:r>
+              <a:rPr lang="vi-VN" sz="3200" dirty="0"/>
               <a:t> </a:t>
             </a:r>
           </a:p>
@@ -16318,14 +16607,18 @@
               <a:buChar char="-"/>
             </a:pPr>
             <a:r>
-              <a:rPr lang="vi-VN" dirty="0"/>
+              <a:rPr lang="vi-VN" sz="3200" b="1" dirty="0"/>
               <a:t>E</a:t>
             </a:r>
             <a:r>
-              <a:rPr lang="en-US" dirty="0" err="1"/>
+              <a:rPr lang="en-US" sz="3200" b="1" u="sng" dirty="0" err="1"/>
               <a:t>xperience</a:t>
             </a:r>
-            <a:endParaRPr lang="vi-VN" dirty="0"/>
+            <a:r>
+              <a:rPr lang="en-US" sz="3200" dirty="0"/>
+              <a:t>: On the job experience</a:t>
+            </a:r>
+            <a:endParaRPr lang="vi-VN" sz="3200" dirty="0"/>
           </a:p>
           <a:p>
             <a:pPr>
@@ -16339,14 +16632,22 @@
               <a:buChar char="-"/>
             </a:pPr>
             <a:r>
-              <a:rPr lang="vi-VN" dirty="0"/>
+              <a:rPr lang="vi-VN" sz="3200" b="1" dirty="0"/>
               <a:t>P</a:t>
             </a:r>
             <a:r>
-              <a:rPr lang="en-US" dirty="0" err="1"/>
+              <a:rPr lang="en-US" sz="3200" b="1" u="sng" dirty="0" err="1"/>
               <a:t>erformance</a:t>
             </a:r>
-            <a:endParaRPr lang="vi-VN" dirty="0"/>
+            <a:r>
+              <a:rPr lang="en-US" sz="3200" dirty="0"/>
+              <a:t>: Mean Square Error between current Q and maximized Q for network, rewards function </a:t>
+            </a:r>
+            <a:r>
+              <a:rPr lang="en-US" sz="3200"/>
+              <a:t>for maximizing Q.</a:t>
+            </a:r>
+            <a:endParaRPr lang="en-US" sz="3200" dirty="0"/>
           </a:p>
           <a:p>
             <a:pPr>
@@ -16360,12 +16661,20 @@
               <a:buChar char="-"/>
             </a:pPr>
             <a:r>
-              <a:rPr lang="vi-VN" dirty="0"/>
+              <a:rPr lang="vi-VN" sz="3200" b="1" dirty="0"/>
               <a:t>F</a:t>
             </a:r>
             <a:r>
-              <a:rPr lang="en-US" dirty="0"/>
+              <a:rPr lang="en-US" sz="3200" b="1" u="sng" dirty="0"/>
               <a:t>unction</a:t>
+            </a:r>
+            <a:r>
+              <a:rPr lang="en-US" sz="3200" b="1" dirty="0"/>
+              <a:t> space</a:t>
+            </a:r>
+            <a:r>
+              <a:rPr lang="en-US" sz="3200" dirty="0"/>
+              <a:t>: CNN layers, Fully connected layer.</a:t>
             </a:r>
           </a:p>
           <a:p>
@@ -16380,10 +16689,14 @@
               <a:buChar char="-"/>
             </a:pPr>
             <a:r>
-              <a:rPr lang="en-US" dirty="0"/>
+              <a:rPr lang="en-US" sz="3200" b="1" u="sng" dirty="0"/>
               <a:t>Algorithm</a:t>
             </a:r>
-            <a:endParaRPr lang="vi-VN" dirty="0"/>
+            <a:r>
+              <a:rPr lang="en-US" sz="3200" dirty="0"/>
+              <a:t>: Batch gradient descent for network, Q-learning algorithm for Q values.</a:t>
+            </a:r>
+            <a:endParaRPr lang="vi-VN" sz="3200" dirty="0"/>
           </a:p>
         </p:txBody>
       </p:sp>
@@ -16939,10 +17252,73 @@
             <a:pPr marL="50800" indent="0">
               <a:buNone/>
             </a:pPr>
+            <a:r>
+              <a:rPr lang="en-US" dirty="0"/>
+              <a:t>Scores upon trainings:</a:t>
+            </a:r>
+          </a:p>
+          <a:p>
+            <a:pPr marL="50800" indent="0">
+              <a:buNone/>
+            </a:pPr>
+            <a:endParaRPr lang="en-US" dirty="0"/>
+          </a:p>
+          <a:p>
+            <a:pPr marL="50800" indent="0">
+              <a:buNone/>
+            </a:pPr>
+            <a:endParaRPr lang="en-US" dirty="0"/>
+          </a:p>
+          <a:p>
+            <a:pPr marL="50800" indent="0">
+              <a:buNone/>
+            </a:pPr>
+            <a:endParaRPr lang="en-US" dirty="0"/>
+          </a:p>
+          <a:p>
+            <a:pPr marL="50800" indent="0">
+              <a:buNone/>
+            </a:pPr>
+            <a:endParaRPr lang="en-US" dirty="0"/>
+          </a:p>
+          <a:p>
+            <a:pPr marL="50800" indent="0">
+              <a:buNone/>
+            </a:pPr>
             <a:endParaRPr lang="en-VN" dirty="0"/>
           </a:p>
         </p:txBody>
       </p:sp>
+      <p:pic>
+        <p:nvPicPr>
+          <p:cNvPr id="6" name="Picture 5">
+            <a:extLst>
+              <a:ext uri="{FF2B5EF4-FFF2-40B4-BE49-F238E27FC236}">
+                <a16:creationId xmlns:a16="http://schemas.microsoft.com/office/drawing/2014/main" id="{D39A11A7-B1B6-41B0-8B94-FC3EB45D3D1C}"/>
+              </a:ext>
+            </a:extLst>
+          </p:cNvPr>
+          <p:cNvPicPr>
+            <a:picLocks noChangeAspect="1"/>
+          </p:cNvPicPr>
+          <p:nvPr/>
+        </p:nvPicPr>
+        <p:blipFill>
+          <a:blip r:embed="rId3"/>
+          <a:stretch>
+            <a:fillRect/>
+          </a:stretch>
+        </p:blipFill>
+        <p:spPr>
+          <a:xfrm>
+            <a:off x="4439748" y="1212056"/>
+            <a:ext cx="7677090" cy="4635500"/>
+          </a:xfrm>
+          <a:prstGeom prst="rect">
+            <a:avLst/>
+          </a:prstGeom>
+        </p:spPr>
+      </p:pic>
     </p:spTree>
   </p:cSld>
   <p:clrMapOvr>
@@ -16952,6 +17328,169 @@
 </file>
 
 <file path=ppt/slides/slide8.xml><?xml version="1.0" encoding="utf-8"?>
+<p:sld xmlns:a="http://schemas.openxmlformats.org/drawingml/2006/main" xmlns:r="http://schemas.openxmlformats.org/officeDocument/2006/relationships" xmlns:p="http://schemas.openxmlformats.org/presentationml/2006/main">
+  <p:cSld>
+    <p:spTree>
+      <p:nvGrpSpPr>
+        <p:cNvPr id="1" name="Shape 118"/>
+        <p:cNvGrpSpPr/>
+        <p:nvPr/>
+      </p:nvGrpSpPr>
+      <p:grpSpPr>
+        <a:xfrm>
+          <a:off x="0" y="0"/>
+          <a:ext cx="0" cy="0"/>
+          <a:chOff x="0" y="0"/>
+          <a:chExt cx="0" cy="0"/>
+        </a:xfrm>
+      </p:grpSpPr>
+      <p:sp>
+        <p:nvSpPr>
+          <p:cNvPr id="119" name="Google Shape;119;g7baf4df47d_0_33"/>
+          <p:cNvSpPr txBox="1">
+            <a:spLocks noGrp="1"/>
+          </p:cNvSpPr>
+          <p:nvPr>
+            <p:ph type="title"/>
+          </p:nvPr>
+        </p:nvSpPr>
+        <p:spPr>
+          <a:xfrm>
+            <a:off x="838200" y="303213"/>
+            <a:ext cx="10515600" cy="663600"/>
+          </a:xfrm>
+          <a:prstGeom prst="rect">
+            <a:avLst/>
+          </a:prstGeom>
+        </p:spPr>
+        <p:txBody>
+          <a:bodyPr spcFirstLastPara="1" wrap="square" lIns="91425" tIns="45700" rIns="91425" bIns="45700" anchor="ctr" anchorCtr="0">
+            <a:noAutofit/>
+          </a:bodyPr>
+          <a:lstStyle/>
+          <a:p>
+            <a:pPr marL="0" lvl="0" indent="0" algn="l" rtl="0">
+              <a:spcBef>
+                <a:spcPts val="0"/>
+              </a:spcBef>
+              <a:spcAft>
+                <a:spcPts val="0"/>
+              </a:spcAft>
+              <a:buNone/>
+            </a:pPr>
+            <a:r>
+              <a:rPr lang="en-US" dirty="0"/>
+              <a:t>v. Result</a:t>
+            </a:r>
+            <a:endParaRPr dirty="0"/>
+          </a:p>
+        </p:txBody>
+      </p:sp>
+      <p:sp>
+        <p:nvSpPr>
+          <p:cNvPr id="3" name="Text Placeholder 2">
+            <a:extLst>
+              <a:ext uri="{FF2B5EF4-FFF2-40B4-BE49-F238E27FC236}">
+                <a16:creationId xmlns:a16="http://schemas.microsoft.com/office/drawing/2014/main" id="{D29E25F4-87A1-3A43-853D-164EB0AFE314}"/>
+              </a:ext>
+            </a:extLst>
+          </p:cNvPr>
+          <p:cNvSpPr>
+            <a:spLocks noGrp="1"/>
+          </p:cNvSpPr>
+          <p:nvPr>
+            <p:ph type="body" idx="1"/>
+          </p:nvPr>
+        </p:nvSpPr>
+        <p:spPr/>
+        <p:txBody>
+          <a:bodyPr/>
+          <a:lstStyle/>
+          <a:p>
+            <a:pPr marL="50800" indent="0">
+              <a:buNone/>
+            </a:pPr>
+            <a:r>
+              <a:rPr lang="en-US" dirty="0"/>
+              <a:t>Loss upon training:</a:t>
+            </a:r>
+          </a:p>
+          <a:p>
+            <a:pPr marL="50800" indent="0">
+              <a:buNone/>
+            </a:pPr>
+            <a:endParaRPr lang="en-US" dirty="0"/>
+          </a:p>
+          <a:p>
+            <a:pPr marL="50800" indent="0">
+              <a:buNone/>
+            </a:pPr>
+            <a:endParaRPr lang="en-US" dirty="0"/>
+          </a:p>
+          <a:p>
+            <a:pPr marL="50800" indent="0">
+              <a:buNone/>
+            </a:pPr>
+            <a:endParaRPr lang="en-US" dirty="0"/>
+          </a:p>
+          <a:p>
+            <a:pPr marL="50800" indent="0">
+              <a:buNone/>
+            </a:pPr>
+            <a:endParaRPr lang="en-US" dirty="0"/>
+          </a:p>
+          <a:p>
+            <a:pPr marL="50800" indent="0">
+              <a:buNone/>
+            </a:pPr>
+            <a:endParaRPr lang="en-VN" dirty="0"/>
+          </a:p>
+        </p:txBody>
+      </p:sp>
+      <p:pic>
+        <p:nvPicPr>
+          <p:cNvPr id="4" name="Picture 3">
+            <a:extLst>
+              <a:ext uri="{FF2B5EF4-FFF2-40B4-BE49-F238E27FC236}">
+                <a16:creationId xmlns:a16="http://schemas.microsoft.com/office/drawing/2014/main" id="{FEE97657-18BF-4695-9D8A-92F50E3068DA}"/>
+              </a:ext>
+            </a:extLst>
+          </p:cNvPr>
+          <p:cNvPicPr>
+            <a:picLocks noChangeAspect="1"/>
+          </p:cNvPicPr>
+          <p:nvPr/>
+        </p:nvPicPr>
+        <p:blipFill>
+          <a:blip r:embed="rId3"/>
+          <a:stretch>
+            <a:fillRect/>
+          </a:stretch>
+        </p:blipFill>
+        <p:spPr>
+          <a:xfrm>
+            <a:off x="4304082" y="966813"/>
+            <a:ext cx="7979399" cy="5042101"/>
+          </a:xfrm>
+          <a:prstGeom prst="rect">
+            <a:avLst/>
+          </a:prstGeom>
+        </p:spPr>
+      </p:pic>
+    </p:spTree>
+    <p:extLst>
+      <p:ext uri="{BB962C8B-B14F-4D97-AF65-F5344CB8AC3E}">
+        <p14:creationId xmlns:p14="http://schemas.microsoft.com/office/powerpoint/2010/main" val="1639291532"/>
+      </p:ext>
+    </p:extLst>
+  </p:cSld>
+  <p:clrMapOvr>
+    <a:masterClrMapping/>
+  </p:clrMapOvr>
+</p:sld>
+</file>
+
+<file path=ppt/slides/slide9.xml><?xml version="1.0" encoding="utf-8"?>
 <p:sld xmlns:a="http://schemas.openxmlformats.org/drawingml/2006/main" xmlns:r="http://schemas.openxmlformats.org/officeDocument/2006/relationships" xmlns:p="http://schemas.openxmlformats.org/presentationml/2006/main">
   <p:cSld>
     <p:spTree>
@@ -17022,7 +17561,7 @@
         </p:nvSpPr>
         <p:spPr>
           <a:xfrm>
-            <a:off x="838200" y="1354137"/>
+            <a:off x="819538" y="1363468"/>
             <a:ext cx="10515600" cy="4351200"/>
           </a:xfrm>
           <a:prstGeom prst="rect">
@@ -17045,144 +17584,125 @@
               <a:buFontTx/>
               <a:buChar char="-"/>
             </a:pPr>
-            <a:endParaRPr dirty="0"/>
+            <a:r>
+              <a:rPr lang="en-US" dirty="0"/>
+              <a:t>The model can learn and play 2048 with score increasing gradually.</a:t>
+            </a:r>
+          </a:p>
+          <a:p>
+            <a:pPr lvl="0" indent="-457200" algn="l" rtl="0">
+              <a:spcBef>
+                <a:spcPts val="1000"/>
+              </a:spcBef>
+              <a:spcAft>
+                <a:spcPts val="0"/>
+              </a:spcAft>
+              <a:buFontTx/>
+              <a:buChar char="-"/>
+            </a:pPr>
+            <a:r>
+              <a:rPr lang="en-US" dirty="0"/>
+              <a:t>The model can play 2048 equally compared to a moderate player.</a:t>
+            </a:r>
+          </a:p>
+          <a:p>
+            <a:pPr lvl="0" indent="-457200" algn="l" rtl="0">
+              <a:spcBef>
+                <a:spcPts val="1000"/>
+              </a:spcBef>
+              <a:spcAft>
+                <a:spcPts val="0"/>
+              </a:spcAft>
+              <a:buFontTx/>
+              <a:buChar char="-"/>
+            </a:pPr>
+            <a:r>
+              <a:rPr lang="en-US" dirty="0"/>
+              <a:t>The model can learn and implement strategies that relates to human’s strategies, due to reward policy.</a:t>
+            </a:r>
+          </a:p>
+          <a:p>
+            <a:pPr lvl="0" indent="-457200" algn="l" rtl="0">
+              <a:spcBef>
+                <a:spcPts val="1000"/>
+              </a:spcBef>
+              <a:spcAft>
+                <a:spcPts val="0"/>
+              </a:spcAft>
+              <a:buFontTx/>
+              <a:buChar char="-"/>
+            </a:pPr>
+            <a:endParaRPr lang="en-US" dirty="0"/>
+          </a:p>
+          <a:p>
+            <a:pPr lvl="0" indent="-457200" algn="l" rtl="0">
+              <a:spcBef>
+                <a:spcPts val="1000"/>
+              </a:spcBef>
+              <a:spcAft>
+                <a:spcPts val="0"/>
+              </a:spcAft>
+              <a:buFontTx/>
+              <a:buChar char="-"/>
+            </a:pPr>
+            <a:r>
+              <a:rPr lang="en-US" dirty="0"/>
+              <a:t>TODO:</a:t>
+            </a:r>
+          </a:p>
+          <a:p>
+            <a:pPr lvl="1" indent="-457200">
+              <a:spcBef>
+                <a:spcPts val="1000"/>
+              </a:spcBef>
+              <a:buFontTx/>
+              <a:buChar char="-"/>
+            </a:pPr>
+            <a:r>
+              <a:rPr lang="en-US" dirty="0"/>
+              <a:t>Current network is not yet stable, cannot guarantee a WIN game</a:t>
+            </a:r>
+          </a:p>
+          <a:p>
+            <a:pPr marL="457200" lvl="1" indent="0">
+              <a:spcBef>
+                <a:spcPts val="1000"/>
+              </a:spcBef>
+              <a:buNone/>
+            </a:pPr>
+            <a:r>
+              <a:rPr lang="en-US" dirty="0"/>
+              <a:t>	-&gt; Tuning kernels</a:t>
+            </a:r>
+          </a:p>
+          <a:p>
+            <a:pPr marL="457200" lvl="1" indent="0">
+              <a:spcBef>
+                <a:spcPts val="1000"/>
+              </a:spcBef>
+              <a:buNone/>
+            </a:pPr>
+            <a:r>
+              <a:rPr lang="en-US" dirty="0"/>
+              <a:t>	-&gt; Tuning reward policies</a:t>
+            </a:r>
+          </a:p>
+          <a:p>
+            <a:pPr lvl="0" indent="-457200" algn="l" rtl="0">
+              <a:spcBef>
+                <a:spcPts val="1000"/>
+              </a:spcBef>
+              <a:spcAft>
+                <a:spcPts val="0"/>
+              </a:spcAft>
+              <a:buFontTx/>
+              <a:buChar char="-"/>
+            </a:pPr>
+            <a:endParaRPr lang="en-US" dirty="0"/>
           </a:p>
         </p:txBody>
       </p:sp>
     </p:spTree>
-  </p:cSld>
-  <p:clrMapOvr>
-    <a:masterClrMapping/>
-  </p:clrMapOvr>
-</p:sld>
-</file>
-
-<file path=ppt/slides/slide9.xml><?xml version="1.0" encoding="utf-8"?>
-<p:sld xmlns:a="http://schemas.openxmlformats.org/drawingml/2006/main" xmlns:r="http://schemas.openxmlformats.org/officeDocument/2006/relationships" xmlns:p="http://schemas.openxmlformats.org/presentationml/2006/main">
-  <p:cSld>
-    <p:spTree>
-      <p:nvGrpSpPr>
-        <p:cNvPr id="1" name="Shape 82"/>
-        <p:cNvGrpSpPr/>
-        <p:nvPr/>
-      </p:nvGrpSpPr>
-      <p:grpSpPr>
-        <a:xfrm>
-          <a:off x="0" y="0"/>
-          <a:ext cx="0" cy="0"/>
-          <a:chOff x="0" y="0"/>
-          <a:chExt cx="0" cy="0"/>
-        </a:xfrm>
-      </p:grpSpPr>
-      <p:sp>
-        <p:nvSpPr>
-          <p:cNvPr id="83" name="Google Shape;83;p1"/>
-          <p:cNvSpPr txBox="1">
-            <a:spLocks noGrp="1"/>
-          </p:cNvSpPr>
-          <p:nvPr>
-            <p:ph type="ctrTitle"/>
-          </p:nvPr>
-        </p:nvSpPr>
-        <p:spPr>
-          <a:xfrm>
-            <a:off x="1664677" y="0"/>
-            <a:ext cx="9144000" cy="2387600"/>
-          </a:xfrm>
-          <a:prstGeom prst="rect">
-            <a:avLst/>
-          </a:prstGeom>
-          <a:noFill/>
-          <a:ln>
-            <a:noFill/>
-          </a:ln>
-        </p:spPr>
-        <p:txBody>
-          <a:bodyPr spcFirstLastPara="1" wrap="square" lIns="91425" tIns="45700" rIns="91425" bIns="45700" anchor="b" anchorCtr="0">
-            <a:noAutofit/>
-          </a:bodyPr>
-          <a:lstStyle/>
-          <a:p>
-            <a:pPr lvl="0"/>
-            <a:r>
-              <a:rPr lang="en-US" dirty="0"/>
-              <a:t>Thank you!</a:t>
-            </a:r>
-            <a:endParaRPr dirty="0">
-              <a:solidFill>
-                <a:schemeClr val="lt1"/>
-              </a:solidFill>
-            </a:endParaRPr>
-          </a:p>
-        </p:txBody>
-      </p:sp>
-      <p:sp>
-        <p:nvSpPr>
-          <p:cNvPr id="84" name="Google Shape;84;p1"/>
-          <p:cNvSpPr txBox="1">
-            <a:spLocks noGrp="1"/>
-          </p:cNvSpPr>
-          <p:nvPr>
-            <p:ph type="subTitle" idx="1"/>
-          </p:nvPr>
-        </p:nvSpPr>
-        <p:spPr>
-          <a:xfrm>
-            <a:off x="646922" y="2601119"/>
-            <a:ext cx="9144000" cy="1655762"/>
-          </a:xfrm>
-          <a:prstGeom prst="rect">
-            <a:avLst/>
-          </a:prstGeom>
-          <a:noFill/>
-          <a:ln>
-            <a:noFill/>
-          </a:ln>
-        </p:spPr>
-        <p:txBody>
-          <a:bodyPr spcFirstLastPara="1" wrap="square" lIns="91425" tIns="45700" rIns="91425" bIns="45700" anchor="t" anchorCtr="0">
-            <a:noAutofit/>
-          </a:bodyPr>
-          <a:lstStyle/>
-          <a:p>
-            <a:pPr marL="0" lvl="0" indent="0" algn="l" rtl="0">
-              <a:lnSpc>
-                <a:spcPct val="90000"/>
-              </a:lnSpc>
-              <a:spcBef>
-                <a:spcPts val="0"/>
-              </a:spcBef>
-              <a:spcAft>
-                <a:spcPts val="0"/>
-              </a:spcAft>
-              <a:buClr>
-                <a:schemeClr val="lt1"/>
-              </a:buClr>
-              <a:buSzPts val="2400"/>
-              <a:buNone/>
-            </a:pPr>
-            <a:r>
-              <a:rPr lang="en-US" sz="4000" dirty="0">
-                <a:solidFill>
-                  <a:schemeClr val="lt1"/>
-                </a:solidFill>
-              </a:rPr>
-              <a:t>Any questions?</a:t>
-            </a:r>
-            <a:endParaRPr sz="4000" dirty="0">
-              <a:solidFill>
-                <a:schemeClr val="lt1"/>
-              </a:solidFill>
-            </a:endParaRPr>
-          </a:p>
-        </p:txBody>
-      </p:sp>
-    </p:spTree>
-    <p:extLst>
-      <p:ext uri="{BB962C8B-B14F-4D97-AF65-F5344CB8AC3E}">
-        <p14:creationId xmlns:p14="http://schemas.microsoft.com/office/powerpoint/2010/main" val="904725618"/>
-      </p:ext>
-    </p:extLst>
   </p:cSld>
   <p:clrMapOvr>
     <a:masterClrMapping/>
